--- a/00_presentation/presentation.pptx
+++ b/00_presentation/presentation.pptx
@@ -120,16 +120,6 @@
     </p:ext>
   </p:extLst>
 </p:presentation>
-</file>
-
-<file path=ppt/revisionInfo.xml><?xml version="1.0" encoding="utf-8"?>
-<p1510:revInfo xmlns:a="http://schemas.openxmlformats.org/drawingml/2006/main" xmlns:r="http://schemas.openxmlformats.org/officeDocument/2006/relationships" xmlns:p1510="http://schemas.microsoft.com/office/powerpoint/2015/10/main">
-  <p1510:revLst>
-    <p1510:client id="{1B73827F-2616-488E-99FF-7788A181785C}" v="918" dt="2023-01-18T00:03:29.575"/>
-    <p1510:client id="{B323E42E-8607-42C1-8D2B-F383A2F8A2FC}" v="1998" dt="2023-01-17T22:01:13.808"/>
-    <p1510:client id="{C0BC1557-D679-4353-9F00-513AF5DE8BCF}" v="23" dt="2023-01-17T22:49:42.289"/>
-  </p1510:revLst>
-</p1510:revInfo>
 </file>
 
 <file path=ppt/changesInfos/changesInfo1.xml><?xml version="1.0" encoding="utf-8"?>
@@ -765,6 +755,30 @@
     </pc:docChg>
   </pc:docChgLst>
   <pc:docChgLst>
+    <pc:chgData name="Michael Sandilands" userId="76d4a56ad4948d25" providerId="LiveId" clId="{4485A5A6-EBD6-4CE8-A5F5-0B97706CE36F}"/>
+    <pc:docChg chg="custSel modSld">
+      <pc:chgData name="Michael Sandilands" userId="76d4a56ad4948d25" providerId="LiveId" clId="{4485A5A6-EBD6-4CE8-A5F5-0B97706CE36F}" dt="2023-01-24T17:54:12.793" v="1" actId="33524"/>
+      <pc:docMkLst>
+        <pc:docMk/>
+      </pc:docMkLst>
+      <pc:sldChg chg="modSp mod">
+        <pc:chgData name="Michael Sandilands" userId="76d4a56ad4948d25" providerId="LiveId" clId="{4485A5A6-EBD6-4CE8-A5F5-0B97706CE36F}" dt="2023-01-24T17:54:12.793" v="1" actId="33524"/>
+        <pc:sldMkLst>
+          <pc:docMk/>
+          <pc:sldMk cId="3114544236" sldId="268"/>
+        </pc:sldMkLst>
+        <pc:spChg chg="mod">
+          <ac:chgData name="Michael Sandilands" userId="76d4a56ad4948d25" providerId="LiveId" clId="{4485A5A6-EBD6-4CE8-A5F5-0B97706CE36F}" dt="2023-01-24T17:54:12.793" v="1" actId="33524"/>
+          <ac:spMkLst>
+            <pc:docMk/>
+            <pc:sldMk cId="3114544236" sldId="268"/>
+            <ac:spMk id="4" creationId="{D423E46C-785E-BA67-F087-E0F92B412C70}"/>
+          </ac:spMkLst>
+        </pc:spChg>
+      </pc:sldChg>
+    </pc:docChg>
+  </pc:docChgLst>
+  <pc:docChgLst>
     <pc:chgData name="Michael Sandilands" userId="76d4a56ad4948d25" providerId="LiveId" clId="{1B73827F-2616-488E-99FF-7788A181785C}"/>
     <pc:docChg chg="undo custSel addSld delSld modSld sldOrd">
       <pc:chgData name="Michael Sandilands" userId="76d4a56ad4948d25" providerId="LiveId" clId="{1B73827F-2616-488E-99FF-7788A181785C}" dt="2023-01-18T00:10:37.908" v="1708" actId="20577"/>
@@ -1319,7 +1333,7 @@
           <a:p>
             <a:fld id="{846CE7D5-CF57-46EF-B807-FDD0502418D4}" type="datetimeFigureOut">
               <a:rPr lang="en-US" smtClean="0"/>
-              <a:t>1/18/2023</a:t>
+              <a:t>1/24/2023</a:t>
             </a:fld>
             <a:endParaRPr lang="en-US"/>
           </a:p>
@@ -1489,7 +1503,7 @@
           <a:p>
             <a:fld id="{846CE7D5-CF57-46EF-B807-FDD0502418D4}" type="datetimeFigureOut">
               <a:rPr lang="en-US" smtClean="0"/>
-              <a:t>1/18/2023</a:t>
+              <a:t>1/24/2023</a:t>
             </a:fld>
             <a:endParaRPr lang="en-US"/>
           </a:p>
@@ -1669,7 +1683,7 @@
           <a:p>
             <a:fld id="{846CE7D5-CF57-46EF-B807-FDD0502418D4}" type="datetimeFigureOut">
               <a:rPr lang="en-US" smtClean="0"/>
-              <a:t>1/18/2023</a:t>
+              <a:t>1/24/2023</a:t>
             </a:fld>
             <a:endParaRPr lang="en-US"/>
           </a:p>
@@ -1839,7 +1853,7 @@
           <a:p>
             <a:fld id="{846CE7D5-CF57-46EF-B807-FDD0502418D4}" type="datetimeFigureOut">
               <a:rPr lang="en-US" smtClean="0"/>
-              <a:t>1/18/2023</a:t>
+              <a:t>1/24/2023</a:t>
             </a:fld>
             <a:endParaRPr lang="en-US"/>
           </a:p>
@@ -2085,7 +2099,7 @@
           <a:p>
             <a:fld id="{846CE7D5-CF57-46EF-B807-FDD0502418D4}" type="datetimeFigureOut">
               <a:rPr lang="en-US" smtClean="0"/>
-              <a:t>1/18/2023</a:t>
+              <a:t>1/24/2023</a:t>
             </a:fld>
             <a:endParaRPr lang="en-US"/>
           </a:p>
@@ -2317,7 +2331,7 @@
           <a:p>
             <a:fld id="{846CE7D5-CF57-46EF-B807-FDD0502418D4}" type="datetimeFigureOut">
               <a:rPr lang="en-US" smtClean="0"/>
-              <a:t>1/18/2023</a:t>
+              <a:t>1/24/2023</a:t>
             </a:fld>
             <a:endParaRPr lang="en-US"/>
           </a:p>
@@ -2684,7 +2698,7 @@
           <a:p>
             <a:fld id="{846CE7D5-CF57-46EF-B807-FDD0502418D4}" type="datetimeFigureOut">
               <a:rPr lang="en-US" smtClean="0"/>
-              <a:t>1/18/2023</a:t>
+              <a:t>1/24/2023</a:t>
             </a:fld>
             <a:endParaRPr lang="en-US"/>
           </a:p>
@@ -2802,7 +2816,7 @@
           <a:p>
             <a:fld id="{846CE7D5-CF57-46EF-B807-FDD0502418D4}" type="datetimeFigureOut">
               <a:rPr lang="en-US" smtClean="0"/>
-              <a:t>1/18/2023</a:t>
+              <a:t>1/24/2023</a:t>
             </a:fld>
             <a:endParaRPr lang="en-US"/>
           </a:p>
@@ -2897,7 +2911,7 @@
           <a:p>
             <a:fld id="{846CE7D5-CF57-46EF-B807-FDD0502418D4}" type="datetimeFigureOut">
               <a:rPr lang="en-US" smtClean="0"/>
-              <a:t>1/18/2023</a:t>
+              <a:t>1/24/2023</a:t>
             </a:fld>
             <a:endParaRPr lang="en-US"/>
           </a:p>
@@ -3174,7 +3188,7 @@
           <a:p>
             <a:fld id="{846CE7D5-CF57-46EF-B807-FDD0502418D4}" type="datetimeFigureOut">
               <a:rPr lang="en-US" smtClean="0"/>
-              <a:t>1/18/2023</a:t>
+              <a:t>1/24/2023</a:t>
             </a:fld>
             <a:endParaRPr lang="en-US"/>
           </a:p>
@@ -3431,7 +3445,7 @@
           <a:p>
             <a:fld id="{846CE7D5-CF57-46EF-B807-FDD0502418D4}" type="datetimeFigureOut">
               <a:rPr lang="en-US" smtClean="0"/>
-              <a:t>1/18/2023</a:t>
+              <a:t>1/24/2023</a:t>
             </a:fld>
             <a:endParaRPr lang="en-US"/>
           </a:p>
@@ -3644,7 +3658,7 @@
           <a:p>
             <a:fld id="{846CE7D5-CF57-46EF-B807-FDD0502418D4}" type="datetimeFigureOut">
               <a:rPr lang="en-US" smtClean="0"/>
-              <a:t>1/18/2023</a:t>
+              <a:t>1/24/2023</a:t>
             </a:fld>
             <a:endParaRPr lang="en-US"/>
           </a:p>
@@ -4811,12 +4825,12 @@
           <a:graphicData uri="http://schemas.openxmlformats.org/presentationml/2006/ole">
             <mc:AlternateContent xmlns:mc="http://schemas.openxmlformats.org/markup-compatibility/2006">
               <mc:Choice xmlns:v="urn:schemas-microsoft-com:vml" Requires="v">
-                <p:oleObj spid="_x0000_s1026" name="Bitmap Image" r:id="rId3" imgW="4629240" imgH="5676840" progId="PBrush">
+                <p:oleObj name="Bitmap Image" r:id="rId2" imgW="4629240" imgH="5676840" progId="PBrush">
                   <p:embed/>
                 </p:oleObj>
               </mc:Choice>
               <mc:Fallback>
-                <p:oleObj name="Bitmap Image" r:id="rId3" imgW="4629240" imgH="5676840" progId="PBrush">
+                <p:oleObj name="Bitmap Image" r:id="rId2" imgW="4629240" imgH="5676840" progId="PBrush">
                   <p:embed/>
                   <p:pic>
                     <p:nvPicPr>
@@ -4831,7 +4845,7 @@
                       <p:nvPr/>
                     </p:nvPicPr>
                     <p:blipFill>
-                      <a:blip r:embed="rId4"/>
+                      <a:blip r:embed="rId3"/>
                       <a:stretch>
                         <a:fillRect/>
                       </a:stretch>
@@ -8483,9 +8497,9 @@
                 <a:ea typeface="Roboto"/>
                 <a:cs typeface="Roboto"/>
               </a:rPr>
-              <a:t>Without the model, we're left to random chance and we'd expect to correctly guess the global High traffic rate which is 63.73%</a:t>
-            </a:r>
-            <a:endParaRPr lang="en-US">
+              <a:t>Without the model, we're left to random chance, and we'd expect to correctly guess the global High traffic rate which is 63.73%</a:t>
+            </a:r>
+            <a:endParaRPr lang="en-US" dirty="0">
               <a:solidFill>
                 <a:schemeClr val="bg1"/>
               </a:solidFill>
@@ -8513,9 +8527,9 @@
                 <a:ea typeface="Roboto"/>
                 <a:cs typeface="Roboto"/>
               </a:rPr>
-              <a:t>In other words 6 out of the 10 rows in this table would be correctly guessed.</a:t>
-            </a:r>
-            <a:endParaRPr lang="en-US">
+              <a:t>In other words, 6 out of the 10 rows in this table would be correctly guessed.</a:t>
+            </a:r>
+            <a:endParaRPr lang="en-US" dirty="0">
               <a:solidFill>
                 <a:schemeClr val="bg1"/>
               </a:solidFill>
@@ -8545,7 +8559,7 @@
               </a:rPr>
               <a:t>With our model we first sort the rows by highest to lowest Predicted Probability – then we use the model to guess if a recipe will generate High Traffic. </a:t>
             </a:r>
-            <a:endParaRPr lang="en-US">
+            <a:endParaRPr lang="en-US" dirty="0">
               <a:solidFill>
                 <a:schemeClr val="bg1"/>
               </a:solidFill>
@@ -8575,7 +8589,7 @@
               </a:rPr>
               <a:t>Our model correctly guesses 10 out of 10 of the first 10 rows. </a:t>
             </a:r>
-            <a:endParaRPr lang="en-US">
+            <a:endParaRPr lang="en-US" dirty="0">
               <a:solidFill>
                 <a:schemeClr val="bg1"/>
               </a:solidFill>
@@ -8605,7 +8619,7 @@
               </a:rPr>
               <a:t>If we have 600 popular recipes, random chance would have gained us 6 out of those 600 in the first 10 rows (or 1%)</a:t>
             </a:r>
-            <a:endParaRPr lang="en-US">
+            <a:endParaRPr lang="en-US" dirty="0">
               <a:solidFill>
                 <a:schemeClr val="bg1"/>
               </a:solidFill>
